--- a/1. Introduction/Introduction.pptx
+++ b/1. Introduction/Introduction.pptx
@@ -9,6 +9,7 @@
     <p:sldId id="257" r:id="rId3"/>
     <p:sldId id="258" r:id="rId4"/>
     <p:sldId id="260" r:id="rId5"/>
+    <p:sldId id="261" r:id="rId6"/>
   </p:sldIdLst>
   <p:sldSz cx="12192000" cy="6858000"/>
   <p:notesSz cx="6858000" cy="9144000"/>
@@ -246,7 +247,7 @@
           <a:p>
             <a:fld id="{56AB46BD-8690-4E03-81CC-9A3E56EB905F}" type="datetimeFigureOut">
               <a:rPr lang="en-IN" smtClean="0"/>
-              <a:t>05-05-2021</a:t>
+              <a:t>06-06-2021</a:t>
             </a:fld>
             <a:endParaRPr lang="en-IN"/>
           </a:p>
@@ -416,7 +417,7 @@
           <a:p>
             <a:fld id="{56AB46BD-8690-4E03-81CC-9A3E56EB905F}" type="datetimeFigureOut">
               <a:rPr lang="en-IN" smtClean="0"/>
-              <a:t>05-05-2021</a:t>
+              <a:t>06-06-2021</a:t>
             </a:fld>
             <a:endParaRPr lang="en-IN"/>
           </a:p>
@@ -596,7 +597,7 @@
           <a:p>
             <a:fld id="{56AB46BD-8690-4E03-81CC-9A3E56EB905F}" type="datetimeFigureOut">
               <a:rPr lang="en-IN" smtClean="0"/>
-              <a:t>05-05-2021</a:t>
+              <a:t>06-06-2021</a:t>
             </a:fld>
             <a:endParaRPr lang="en-IN"/>
           </a:p>
@@ -766,7 +767,7 @@
           <a:p>
             <a:fld id="{56AB46BD-8690-4E03-81CC-9A3E56EB905F}" type="datetimeFigureOut">
               <a:rPr lang="en-IN" smtClean="0"/>
-              <a:t>05-05-2021</a:t>
+              <a:t>06-06-2021</a:t>
             </a:fld>
             <a:endParaRPr lang="en-IN"/>
           </a:p>
@@ -1012,7 +1013,7 @@
           <a:p>
             <a:fld id="{56AB46BD-8690-4E03-81CC-9A3E56EB905F}" type="datetimeFigureOut">
               <a:rPr lang="en-IN" smtClean="0"/>
-              <a:t>05-05-2021</a:t>
+              <a:t>06-06-2021</a:t>
             </a:fld>
             <a:endParaRPr lang="en-IN"/>
           </a:p>
@@ -1244,7 +1245,7 @@
           <a:p>
             <a:fld id="{56AB46BD-8690-4E03-81CC-9A3E56EB905F}" type="datetimeFigureOut">
               <a:rPr lang="en-IN" smtClean="0"/>
-              <a:t>05-05-2021</a:t>
+              <a:t>06-06-2021</a:t>
             </a:fld>
             <a:endParaRPr lang="en-IN"/>
           </a:p>
@@ -1611,7 +1612,7 @@
           <a:p>
             <a:fld id="{56AB46BD-8690-4E03-81CC-9A3E56EB905F}" type="datetimeFigureOut">
               <a:rPr lang="en-IN" smtClean="0"/>
-              <a:t>05-05-2021</a:t>
+              <a:t>06-06-2021</a:t>
             </a:fld>
             <a:endParaRPr lang="en-IN"/>
           </a:p>
@@ -1729,7 +1730,7 @@
           <a:p>
             <a:fld id="{56AB46BD-8690-4E03-81CC-9A3E56EB905F}" type="datetimeFigureOut">
               <a:rPr lang="en-IN" smtClean="0"/>
-              <a:t>05-05-2021</a:t>
+              <a:t>06-06-2021</a:t>
             </a:fld>
             <a:endParaRPr lang="en-IN"/>
           </a:p>
@@ -1824,7 +1825,7 @@
           <a:p>
             <a:fld id="{56AB46BD-8690-4E03-81CC-9A3E56EB905F}" type="datetimeFigureOut">
               <a:rPr lang="en-IN" smtClean="0"/>
-              <a:t>05-05-2021</a:t>
+              <a:t>06-06-2021</a:t>
             </a:fld>
             <a:endParaRPr lang="en-IN"/>
           </a:p>
@@ -2101,7 +2102,7 @@
           <a:p>
             <a:fld id="{56AB46BD-8690-4E03-81CC-9A3E56EB905F}" type="datetimeFigureOut">
               <a:rPr lang="en-IN" smtClean="0"/>
-              <a:t>05-05-2021</a:t>
+              <a:t>06-06-2021</a:t>
             </a:fld>
             <a:endParaRPr lang="en-IN"/>
           </a:p>
@@ -2354,7 +2355,7 @@
           <a:p>
             <a:fld id="{56AB46BD-8690-4E03-81CC-9A3E56EB905F}" type="datetimeFigureOut">
               <a:rPr lang="en-IN" smtClean="0"/>
-              <a:t>05-05-2021</a:t>
+              <a:t>06-06-2021</a:t>
             </a:fld>
             <a:endParaRPr lang="en-IN"/>
           </a:p>
@@ -2567,7 +2568,7 @@
           <a:p>
             <a:fld id="{56AB46BD-8690-4E03-81CC-9A3E56EB905F}" type="datetimeFigureOut">
               <a:rPr lang="en-IN" smtClean="0"/>
-              <a:t>05-05-2021</a:t>
+              <a:t>06-06-2021</a:t>
             </a:fld>
             <a:endParaRPr lang="en-IN"/>
           </a:p>
@@ -3025,7 +3026,7 @@
             <a:pPr algn="l"/>
             <a:r>
               <a:rPr lang="en-GB" dirty="0" smtClean="0"/>
-              <a:t>Learn SQL the hard way by solving challenging problems, varying from beginner to  intermediate and to advanced level.</a:t>
+              <a:t>Learn SQL the hard way by solving challenging problems varying from beginner to  intermediate and to advanced level.</a:t>
             </a:r>
           </a:p>
         </p:txBody>
@@ -3040,6 +3041,134 @@
   <p:clrMapOvr>
     <a:masterClrMapping/>
   </p:clrMapOvr>
+  <p:timing>
+    <p:tnLst>
+      <p:par>
+        <p:cTn id="1" dur="indefinite" restart="never" nodeType="tmRoot">
+          <p:childTnLst>
+            <p:seq concurrent="1" nextAc="seek">
+              <p:cTn id="2" dur="indefinite" nodeType="mainSeq">
+                <p:childTnLst>
+                  <p:par>
+                    <p:cTn id="3" fill="hold">
+                      <p:stCondLst>
+                        <p:cond delay="indefinite"/>
+                      </p:stCondLst>
+                      <p:childTnLst>
+                        <p:par>
+                          <p:cTn id="4" fill="hold">
+                            <p:stCondLst>
+                              <p:cond delay="0"/>
+                            </p:stCondLst>
+                            <p:childTnLst>
+                              <p:par>
+                                <p:cTn id="5" presetID="1" presetClass="entr" presetSubtype="0" fill="hold" grpId="0" nodeType="clickEffect">
+                                  <p:stCondLst>
+                                    <p:cond delay="0"/>
+                                  </p:stCondLst>
+                                  <p:childTnLst>
+                                    <p:set>
+                                      <p:cBhvr>
+                                        <p:cTn id="6" dur="1" fill="hold">
+                                          <p:stCondLst>
+                                            <p:cond delay="0"/>
+                                          </p:stCondLst>
+                                        </p:cTn>
+                                        <p:tgtEl>
+                                          <p:spTgt spid="2"/>
+                                        </p:tgtEl>
+                                        <p:attrNameLst>
+                                          <p:attrName>style.visibility</p:attrName>
+                                        </p:attrNameLst>
+                                      </p:cBhvr>
+                                      <p:to>
+                                        <p:strVal val="visible"/>
+                                      </p:to>
+                                    </p:set>
+                                  </p:childTnLst>
+                                </p:cTn>
+                              </p:par>
+                            </p:childTnLst>
+                          </p:cTn>
+                        </p:par>
+                      </p:childTnLst>
+                    </p:cTn>
+                  </p:par>
+                  <p:par>
+                    <p:cTn id="7" fill="hold">
+                      <p:stCondLst>
+                        <p:cond delay="indefinite"/>
+                      </p:stCondLst>
+                      <p:childTnLst>
+                        <p:par>
+                          <p:cTn id="8" fill="hold">
+                            <p:stCondLst>
+                              <p:cond delay="0"/>
+                            </p:stCondLst>
+                            <p:childTnLst>
+                              <p:par>
+                                <p:cTn id="9" presetID="1" presetClass="entr" presetSubtype="0" fill="hold" grpId="0" nodeType="clickEffect">
+                                  <p:stCondLst>
+                                    <p:cond delay="0"/>
+                                  </p:stCondLst>
+                                  <p:childTnLst>
+                                    <p:set>
+                                      <p:cBhvr>
+                                        <p:cTn id="10" dur="1" fill="hold">
+                                          <p:stCondLst>
+                                            <p:cond delay="0"/>
+                                          </p:stCondLst>
+                                        </p:cTn>
+                                        <p:tgtEl>
+                                          <p:spTgt spid="4">
+                                            <p:txEl>
+                                              <p:pRg st="0" end="0"/>
+                                            </p:txEl>
+                                          </p:spTgt>
+                                        </p:tgtEl>
+                                        <p:attrNameLst>
+                                          <p:attrName>style.visibility</p:attrName>
+                                        </p:attrNameLst>
+                                      </p:cBhvr>
+                                      <p:to>
+                                        <p:strVal val="visible"/>
+                                      </p:to>
+                                    </p:set>
+                                  </p:childTnLst>
+                                </p:cTn>
+                              </p:par>
+                            </p:childTnLst>
+                          </p:cTn>
+                        </p:par>
+                      </p:childTnLst>
+                    </p:cTn>
+                  </p:par>
+                </p:childTnLst>
+              </p:cTn>
+              <p:prevCondLst>
+                <p:cond evt="onPrev" delay="0">
+                  <p:tgtEl>
+                    <p:sldTgt/>
+                  </p:tgtEl>
+                </p:cond>
+              </p:prevCondLst>
+              <p:nextCondLst>
+                <p:cond evt="onNext" delay="0">
+                  <p:tgtEl>
+                    <p:sldTgt/>
+                  </p:tgtEl>
+                </p:cond>
+              </p:nextCondLst>
+            </p:seq>
+          </p:childTnLst>
+        </p:cTn>
+      </p:par>
+    </p:tnLst>
+    <p:bldLst>
+      <p:bldP spid="2" grpId="0"/>
+      <p:bldP spid="4" grpId="0" build="p"/>
+    </p:bldLst>
+  </p:timing>
 </p:sld>
 </file>
 
@@ -3110,33 +3239,34 @@
           <a:p>
             <a:r>
               <a:rPr lang="en-GB" dirty="0" smtClean="0"/>
-              <a:t>Basic SQL knowledge</a:t>
-            </a:r>
-          </a:p>
-          <a:p>
+              <a:t>Basic SQL </a:t>
+            </a:r>
             <a:r>
               <a:rPr lang="en-GB" dirty="0" smtClean="0"/>
-              <a:t>Understanding of database schema design</a:t>
-            </a:r>
-          </a:p>
-          <a:p>
+              <a:t>knowledge, no need to be a master</a:t>
+            </a:r>
             <a:endParaRPr lang="en-GB" dirty="0" smtClean="0"/>
           </a:p>
           <a:p>
+            <a:r>
+              <a:rPr lang="en-GB" dirty="0" smtClean="0"/>
+              <a:t>Basic understanding </a:t>
+            </a:r>
+            <a:r>
+              <a:rPr lang="en-GB" dirty="0" smtClean="0"/>
+              <a:t>of database schema design</a:t>
+            </a:r>
+          </a:p>
+          <a:p>
+            <a:endParaRPr lang="en-GB" dirty="0" smtClean="0"/>
+          </a:p>
+          <a:p>
             <a:pPr marL="0" indent="0">
               <a:buNone/>
             </a:pPr>
             <a:r>
               <a:rPr lang="en-GB" dirty="0" smtClean="0"/>
-              <a:t>I will be working on windows machine, and be using </a:t>
-            </a:r>
-            <a:r>
-              <a:rPr lang="en-GB" dirty="0" smtClean="0"/>
-              <a:t>MS SQL </a:t>
-            </a:r>
-            <a:r>
-              <a:rPr lang="en-GB" dirty="0" smtClean="0"/>
-              <a:t>Server as my database. But you can use any database of your choice, concepts still remain the same.</a:t>
+              <a:t>I will be working on windows machine, and will be using MS SQL Server as my database. But you can use any database of your choice, concepts still remain the same.</a:t>
             </a:r>
             <a:endParaRPr lang="en-GB" dirty="0"/>
           </a:p>
@@ -3153,7 +3283,15 @@
             </a:r>
             <a:r>
               <a:rPr lang="en-GB" dirty="0" smtClean="0"/>
-              <a:t> Server Management Studio(GUI client)</a:t>
+              <a:t> </a:t>
+            </a:r>
+            <a:r>
+              <a:rPr lang="en-GB" dirty="0" smtClean="0"/>
+              <a:t>Server Management Studio(GUI client</a:t>
+            </a:r>
+            <a:r>
+              <a:rPr lang="en-GB" dirty="0" smtClean="0"/>
+              <a:t>)</a:t>
             </a:r>
           </a:p>
           <a:p>
@@ -3161,6 +3299,11 @@
               <a:rPr lang="en-GB" dirty="0" smtClean="0"/>
               <a:t>Microsoft SQL Server(database)</a:t>
             </a:r>
+          </a:p>
+          <a:p>
+            <a:pPr marL="0" indent="0">
+              <a:buNone/>
+            </a:pPr>
             <a:endParaRPr lang="en-IN" dirty="0"/>
           </a:p>
         </p:txBody>
@@ -3175,6 +3318,293 @@
   <p:clrMapOvr>
     <a:masterClrMapping/>
   </p:clrMapOvr>
+  <p:timing>
+    <p:tnLst>
+      <p:par>
+        <p:cTn id="1" dur="indefinite" restart="never" nodeType="tmRoot">
+          <p:childTnLst>
+            <p:seq concurrent="1" nextAc="seek">
+              <p:cTn id="2" dur="indefinite" nodeType="mainSeq">
+                <p:childTnLst>
+                  <p:par>
+                    <p:cTn id="3" fill="hold">
+                      <p:stCondLst>
+                        <p:cond delay="indefinite"/>
+                      </p:stCondLst>
+                      <p:childTnLst>
+                        <p:par>
+                          <p:cTn id="4" fill="hold">
+                            <p:stCondLst>
+                              <p:cond delay="0"/>
+                            </p:stCondLst>
+                            <p:childTnLst>
+                              <p:par>
+                                <p:cTn id="5" presetID="1" presetClass="entr" presetSubtype="0" fill="hold" grpId="0" nodeType="clickEffect">
+                                  <p:stCondLst>
+                                    <p:cond delay="0"/>
+                                  </p:stCondLst>
+                                  <p:childTnLst>
+                                    <p:set>
+                                      <p:cBhvr>
+                                        <p:cTn id="6" dur="1" fill="hold">
+                                          <p:stCondLst>
+                                            <p:cond delay="0"/>
+                                          </p:stCondLst>
+                                        </p:cTn>
+                                        <p:tgtEl>
+                                          <p:spTgt spid="2"/>
+                                        </p:tgtEl>
+                                        <p:attrNameLst>
+                                          <p:attrName>style.visibility</p:attrName>
+                                        </p:attrNameLst>
+                                      </p:cBhvr>
+                                      <p:to>
+                                        <p:strVal val="visible"/>
+                                      </p:to>
+                                    </p:set>
+                                  </p:childTnLst>
+                                </p:cTn>
+                              </p:par>
+                            </p:childTnLst>
+                          </p:cTn>
+                        </p:par>
+                      </p:childTnLst>
+                    </p:cTn>
+                  </p:par>
+                  <p:par>
+                    <p:cTn id="7" fill="hold">
+                      <p:stCondLst>
+                        <p:cond delay="indefinite"/>
+                      </p:stCondLst>
+                      <p:childTnLst>
+                        <p:par>
+                          <p:cTn id="8" fill="hold">
+                            <p:stCondLst>
+                              <p:cond delay="0"/>
+                            </p:stCondLst>
+                            <p:childTnLst>
+                              <p:par>
+                                <p:cTn id="9" presetID="1" presetClass="entr" presetSubtype="0" fill="hold" nodeType="clickEffect">
+                                  <p:stCondLst>
+                                    <p:cond delay="0"/>
+                                  </p:stCondLst>
+                                  <p:childTnLst>
+                                    <p:set>
+                                      <p:cBhvr>
+                                        <p:cTn id="10" dur="1" fill="hold">
+                                          <p:stCondLst>
+                                            <p:cond delay="0"/>
+                                          </p:stCondLst>
+                                        </p:cTn>
+                                        <p:tgtEl>
+                                          <p:spTgt spid="3">
+                                            <p:txEl>
+                                              <p:pRg st="0" end="0"/>
+                                            </p:txEl>
+                                          </p:spTgt>
+                                        </p:tgtEl>
+                                        <p:attrNameLst>
+                                          <p:attrName>style.visibility</p:attrName>
+                                        </p:attrNameLst>
+                                      </p:cBhvr>
+                                      <p:to>
+                                        <p:strVal val="visible"/>
+                                      </p:to>
+                                    </p:set>
+                                  </p:childTnLst>
+                                </p:cTn>
+                              </p:par>
+                              <p:par>
+                                <p:cTn id="11" presetID="1" presetClass="entr" presetSubtype="0" fill="hold" nodeType="withEffect">
+                                  <p:stCondLst>
+                                    <p:cond delay="0"/>
+                                  </p:stCondLst>
+                                  <p:childTnLst>
+                                    <p:set>
+                                      <p:cBhvr>
+                                        <p:cTn id="12" dur="1" fill="hold">
+                                          <p:stCondLst>
+                                            <p:cond delay="0"/>
+                                          </p:stCondLst>
+                                        </p:cTn>
+                                        <p:tgtEl>
+                                          <p:spTgt spid="3">
+                                            <p:txEl>
+                                              <p:pRg st="1" end="1"/>
+                                            </p:txEl>
+                                          </p:spTgt>
+                                        </p:tgtEl>
+                                        <p:attrNameLst>
+                                          <p:attrName>style.visibility</p:attrName>
+                                        </p:attrNameLst>
+                                      </p:cBhvr>
+                                      <p:to>
+                                        <p:strVal val="visible"/>
+                                      </p:to>
+                                    </p:set>
+                                  </p:childTnLst>
+                                </p:cTn>
+                              </p:par>
+                            </p:childTnLst>
+                          </p:cTn>
+                        </p:par>
+                      </p:childTnLst>
+                    </p:cTn>
+                  </p:par>
+                  <p:par>
+                    <p:cTn id="13" fill="hold">
+                      <p:stCondLst>
+                        <p:cond delay="indefinite"/>
+                      </p:stCondLst>
+                      <p:childTnLst>
+                        <p:par>
+                          <p:cTn id="14" fill="hold">
+                            <p:stCondLst>
+                              <p:cond delay="0"/>
+                            </p:stCondLst>
+                            <p:childTnLst>
+                              <p:par>
+                                <p:cTn id="15" presetID="1" presetClass="entr" presetSubtype="0" fill="hold" nodeType="clickEffect">
+                                  <p:stCondLst>
+                                    <p:cond delay="0"/>
+                                  </p:stCondLst>
+                                  <p:childTnLst>
+                                    <p:set>
+                                      <p:cBhvr>
+                                        <p:cTn id="16" dur="1" fill="hold">
+                                          <p:stCondLst>
+                                            <p:cond delay="0"/>
+                                          </p:stCondLst>
+                                        </p:cTn>
+                                        <p:tgtEl>
+                                          <p:spTgt spid="3">
+                                            <p:txEl>
+                                              <p:pRg st="3" end="3"/>
+                                            </p:txEl>
+                                          </p:spTgt>
+                                        </p:tgtEl>
+                                        <p:attrNameLst>
+                                          <p:attrName>style.visibility</p:attrName>
+                                        </p:attrNameLst>
+                                      </p:cBhvr>
+                                      <p:to>
+                                        <p:strVal val="visible"/>
+                                      </p:to>
+                                    </p:set>
+                                  </p:childTnLst>
+                                </p:cTn>
+                              </p:par>
+                            </p:childTnLst>
+                          </p:cTn>
+                        </p:par>
+                      </p:childTnLst>
+                    </p:cTn>
+                  </p:par>
+                  <p:par>
+                    <p:cTn id="17" fill="hold">
+                      <p:stCondLst>
+                        <p:cond delay="indefinite"/>
+                      </p:stCondLst>
+                      <p:childTnLst>
+                        <p:par>
+                          <p:cTn id="18" fill="hold">
+                            <p:stCondLst>
+                              <p:cond delay="0"/>
+                            </p:stCondLst>
+                            <p:childTnLst>
+                              <p:par>
+                                <p:cTn id="19" presetID="1" presetClass="entr" presetSubtype="0" fill="hold" nodeType="clickEffect">
+                                  <p:stCondLst>
+                                    <p:cond delay="0"/>
+                                  </p:stCondLst>
+                                  <p:childTnLst>
+                                    <p:set>
+                                      <p:cBhvr>
+                                        <p:cTn id="20" dur="1" fill="hold">
+                                          <p:stCondLst>
+                                            <p:cond delay="0"/>
+                                          </p:stCondLst>
+                                        </p:cTn>
+                                        <p:tgtEl>
+                                          <p:spTgt spid="3">
+                                            <p:txEl>
+                                              <p:pRg st="5" end="5"/>
+                                            </p:txEl>
+                                          </p:spTgt>
+                                        </p:tgtEl>
+                                        <p:attrNameLst>
+                                          <p:attrName>style.visibility</p:attrName>
+                                        </p:attrNameLst>
+                                      </p:cBhvr>
+                                      <p:to>
+                                        <p:strVal val="visible"/>
+                                      </p:to>
+                                    </p:set>
+                                  </p:childTnLst>
+                                </p:cTn>
+                              </p:par>
+                              <p:par>
+                                <p:cTn id="21" presetID="1" presetClass="entr" presetSubtype="0" fill="hold" nodeType="withEffect">
+                                  <p:stCondLst>
+                                    <p:cond delay="0"/>
+                                  </p:stCondLst>
+                                  <p:childTnLst>
+                                    <p:set>
+                                      <p:cBhvr>
+                                        <p:cTn id="22" dur="1" fill="hold">
+                                          <p:stCondLst>
+                                            <p:cond delay="0"/>
+                                          </p:stCondLst>
+                                        </p:cTn>
+                                        <p:tgtEl>
+                                          <p:spTgt spid="3">
+                                            <p:txEl>
+                                              <p:pRg st="6" end="6"/>
+                                            </p:txEl>
+                                          </p:spTgt>
+                                        </p:tgtEl>
+                                        <p:attrNameLst>
+                                          <p:attrName>style.visibility</p:attrName>
+                                        </p:attrNameLst>
+                                      </p:cBhvr>
+                                      <p:to>
+                                        <p:strVal val="visible"/>
+                                      </p:to>
+                                    </p:set>
+                                  </p:childTnLst>
+                                </p:cTn>
+                              </p:par>
+                            </p:childTnLst>
+                          </p:cTn>
+                        </p:par>
+                      </p:childTnLst>
+                    </p:cTn>
+                  </p:par>
+                </p:childTnLst>
+              </p:cTn>
+              <p:prevCondLst>
+                <p:cond evt="onPrev" delay="0">
+                  <p:tgtEl>
+                    <p:sldTgt/>
+                  </p:tgtEl>
+                </p:cond>
+              </p:prevCondLst>
+              <p:nextCondLst>
+                <p:cond evt="onNext" delay="0">
+                  <p:tgtEl>
+                    <p:sldTgt/>
+                  </p:tgtEl>
+                </p:cond>
+              </p:nextCondLst>
+            </p:seq>
+          </p:childTnLst>
+        </p:cTn>
+      </p:par>
+    </p:tnLst>
+    <p:bldLst>
+      <p:bldP spid="2" grpId="0"/>
+    </p:bldLst>
+  </p:timing>
 </p:sld>
 </file>
 
@@ -3251,6 +3681,12 @@
             </a:r>
           </a:p>
           <a:p>
+            <a:r>
+              <a:rPr lang="en-GB" dirty="0" smtClean="0"/>
+              <a:t>Understand SELECT, WHERE, FROM, GROUP BY, ORDER BY, UNION, ALIAS etc. and other operations and nuances of SQL  </a:t>
+            </a:r>
+          </a:p>
+          <a:p>
             <a:pPr marL="0" indent="0">
               <a:buNone/>
             </a:pPr>
@@ -3274,6 +3710,280 @@
   <p:clrMapOvr>
     <a:masterClrMapping/>
   </p:clrMapOvr>
+  <p:timing>
+    <p:tnLst>
+      <p:par>
+        <p:cTn id="1" dur="indefinite" restart="never" nodeType="tmRoot">
+          <p:childTnLst>
+            <p:seq concurrent="1" nextAc="seek">
+              <p:cTn id="2" dur="indefinite" nodeType="mainSeq">
+                <p:childTnLst>
+                  <p:par>
+                    <p:cTn id="3" fill="hold">
+                      <p:stCondLst>
+                        <p:cond delay="indefinite"/>
+                      </p:stCondLst>
+                      <p:childTnLst>
+                        <p:par>
+                          <p:cTn id="4" fill="hold">
+                            <p:stCondLst>
+                              <p:cond delay="0"/>
+                            </p:stCondLst>
+                            <p:childTnLst>
+                              <p:par>
+                                <p:cTn id="5" presetID="1" presetClass="entr" presetSubtype="0" fill="hold" grpId="0" nodeType="clickEffect">
+                                  <p:stCondLst>
+                                    <p:cond delay="0"/>
+                                  </p:stCondLst>
+                                  <p:childTnLst>
+                                    <p:set>
+                                      <p:cBhvr>
+                                        <p:cTn id="6" dur="1" fill="hold">
+                                          <p:stCondLst>
+                                            <p:cond delay="0"/>
+                                          </p:stCondLst>
+                                        </p:cTn>
+                                        <p:tgtEl>
+                                          <p:spTgt spid="2"/>
+                                        </p:tgtEl>
+                                        <p:attrNameLst>
+                                          <p:attrName>style.visibility</p:attrName>
+                                        </p:attrNameLst>
+                                      </p:cBhvr>
+                                      <p:to>
+                                        <p:strVal val="visible"/>
+                                      </p:to>
+                                    </p:set>
+                                  </p:childTnLst>
+                                </p:cTn>
+                              </p:par>
+                            </p:childTnLst>
+                          </p:cTn>
+                        </p:par>
+                      </p:childTnLst>
+                    </p:cTn>
+                  </p:par>
+                  <p:par>
+                    <p:cTn id="7" fill="hold">
+                      <p:stCondLst>
+                        <p:cond delay="indefinite"/>
+                      </p:stCondLst>
+                      <p:childTnLst>
+                        <p:par>
+                          <p:cTn id="8" fill="hold">
+                            <p:stCondLst>
+                              <p:cond delay="0"/>
+                            </p:stCondLst>
+                            <p:childTnLst>
+                              <p:par>
+                                <p:cTn id="9" presetID="1" presetClass="entr" presetSubtype="0" fill="hold" nodeType="clickEffect">
+                                  <p:stCondLst>
+                                    <p:cond delay="0"/>
+                                  </p:stCondLst>
+                                  <p:childTnLst>
+                                    <p:set>
+                                      <p:cBhvr>
+                                        <p:cTn id="10" dur="1" fill="hold">
+                                          <p:stCondLst>
+                                            <p:cond delay="0"/>
+                                          </p:stCondLst>
+                                        </p:cTn>
+                                        <p:tgtEl>
+                                          <p:spTgt spid="3">
+                                            <p:txEl>
+                                              <p:pRg st="0" end="0"/>
+                                            </p:txEl>
+                                          </p:spTgt>
+                                        </p:tgtEl>
+                                        <p:attrNameLst>
+                                          <p:attrName>style.visibility</p:attrName>
+                                        </p:attrNameLst>
+                                      </p:cBhvr>
+                                      <p:to>
+                                        <p:strVal val="visible"/>
+                                      </p:to>
+                                    </p:set>
+                                  </p:childTnLst>
+                                </p:cTn>
+                              </p:par>
+                            </p:childTnLst>
+                          </p:cTn>
+                        </p:par>
+                      </p:childTnLst>
+                    </p:cTn>
+                  </p:par>
+                  <p:par>
+                    <p:cTn id="11" fill="hold">
+                      <p:stCondLst>
+                        <p:cond delay="indefinite"/>
+                      </p:stCondLst>
+                      <p:childTnLst>
+                        <p:par>
+                          <p:cTn id="12" fill="hold">
+                            <p:stCondLst>
+                              <p:cond delay="0"/>
+                            </p:stCondLst>
+                            <p:childTnLst>
+                              <p:par>
+                                <p:cTn id="13" presetID="1" presetClass="entr" presetSubtype="0" fill="hold" nodeType="clickEffect">
+                                  <p:stCondLst>
+                                    <p:cond delay="0"/>
+                                  </p:stCondLst>
+                                  <p:childTnLst>
+                                    <p:set>
+                                      <p:cBhvr>
+                                        <p:cTn id="14" dur="1" fill="hold">
+                                          <p:stCondLst>
+                                            <p:cond delay="0"/>
+                                          </p:stCondLst>
+                                        </p:cTn>
+                                        <p:tgtEl>
+                                          <p:spTgt spid="3">
+                                            <p:txEl>
+                                              <p:pRg st="1" end="1"/>
+                                            </p:txEl>
+                                          </p:spTgt>
+                                        </p:tgtEl>
+                                        <p:attrNameLst>
+                                          <p:attrName>style.visibility</p:attrName>
+                                        </p:attrNameLst>
+                                      </p:cBhvr>
+                                      <p:to>
+                                        <p:strVal val="visible"/>
+                                      </p:to>
+                                    </p:set>
+                                  </p:childTnLst>
+                                </p:cTn>
+                              </p:par>
+                            </p:childTnLst>
+                          </p:cTn>
+                        </p:par>
+                      </p:childTnLst>
+                    </p:cTn>
+                  </p:par>
+                  <p:par>
+                    <p:cTn id="15" fill="hold">
+                      <p:stCondLst>
+                        <p:cond delay="indefinite"/>
+                      </p:stCondLst>
+                      <p:childTnLst>
+                        <p:par>
+                          <p:cTn id="16" fill="hold">
+                            <p:stCondLst>
+                              <p:cond delay="0"/>
+                            </p:stCondLst>
+                            <p:childTnLst>
+                              <p:par>
+                                <p:cTn id="17" presetID="1" presetClass="entr" presetSubtype="0" fill="hold" nodeType="clickEffect">
+                                  <p:stCondLst>
+                                    <p:cond delay="0"/>
+                                  </p:stCondLst>
+                                  <p:childTnLst>
+                                    <p:set>
+                                      <p:cBhvr>
+                                        <p:cTn id="18" dur="1" fill="hold">
+                                          <p:stCondLst>
+                                            <p:cond delay="0"/>
+                                          </p:stCondLst>
+                                        </p:cTn>
+                                        <p:tgtEl>
+                                          <p:spTgt spid="3">
+                                            <p:txEl>
+                                              <p:pRg st="2" end="2"/>
+                                            </p:txEl>
+                                          </p:spTgt>
+                                        </p:tgtEl>
+                                        <p:attrNameLst>
+                                          <p:attrName>style.visibility</p:attrName>
+                                        </p:attrNameLst>
+                                      </p:cBhvr>
+                                      <p:to>
+                                        <p:strVal val="visible"/>
+                                      </p:to>
+                                    </p:set>
+                                  </p:childTnLst>
+                                </p:cTn>
+                              </p:par>
+                            </p:childTnLst>
+                          </p:cTn>
+                        </p:par>
+                      </p:childTnLst>
+                    </p:cTn>
+                  </p:par>
+                  <p:par>
+                    <p:cTn id="19" fill="hold">
+                      <p:stCondLst>
+                        <p:cond delay="indefinite"/>
+                      </p:stCondLst>
+                      <p:childTnLst>
+                        <p:par>
+                          <p:cTn id="20" fill="hold">
+                            <p:stCondLst>
+                              <p:cond delay="0"/>
+                            </p:stCondLst>
+                            <p:childTnLst>
+                              <p:par>
+                                <p:cTn id="21" presetID="1" presetClass="entr" presetSubtype="0" fill="hold" nodeType="clickEffect">
+                                  <p:stCondLst>
+                                    <p:cond delay="0"/>
+                                  </p:stCondLst>
+                                  <p:childTnLst>
+                                    <p:set>
+                                      <p:cBhvr>
+                                        <p:cTn id="22" dur="1" fill="hold">
+                                          <p:stCondLst>
+                                            <p:cond delay="0"/>
+                                          </p:stCondLst>
+                                        </p:cTn>
+                                        <p:tgtEl>
+                                          <p:spTgt spid="3">
+                                            <p:txEl>
+                                              <p:pRg st="3" end="3"/>
+                                            </p:txEl>
+                                          </p:spTgt>
+                                        </p:tgtEl>
+                                        <p:attrNameLst>
+                                          <p:attrName>style.visibility</p:attrName>
+                                        </p:attrNameLst>
+                                      </p:cBhvr>
+                                      <p:to>
+                                        <p:strVal val="visible"/>
+                                      </p:to>
+                                    </p:set>
+                                  </p:childTnLst>
+                                </p:cTn>
+                              </p:par>
+                            </p:childTnLst>
+                          </p:cTn>
+                        </p:par>
+                      </p:childTnLst>
+                    </p:cTn>
+                  </p:par>
+                </p:childTnLst>
+              </p:cTn>
+              <p:prevCondLst>
+                <p:cond evt="onPrev" delay="0">
+                  <p:tgtEl>
+                    <p:sldTgt/>
+                  </p:tgtEl>
+                </p:cond>
+              </p:prevCondLst>
+              <p:nextCondLst>
+                <p:cond evt="onNext" delay="0">
+                  <p:tgtEl>
+                    <p:sldTgt/>
+                  </p:tgtEl>
+                </p:cond>
+              </p:nextCondLst>
+            </p:seq>
+          </p:childTnLst>
+        </p:cTn>
+      </p:par>
+    </p:tnLst>
+    <p:bldLst>
+      <p:bldP spid="2" grpId="0"/>
+    </p:bldLst>
+  </p:timing>
 </p:sld>
 </file>
 
@@ -3403,6 +4113,417 @@
   <p:clrMapOvr>
     <a:masterClrMapping/>
   </p:clrMapOvr>
+  <p:timing>
+    <p:tnLst>
+      <p:par>
+        <p:cTn id="1" dur="indefinite" restart="never" nodeType="tmRoot">
+          <p:childTnLst>
+            <p:seq concurrent="1" nextAc="seek">
+              <p:cTn id="2" dur="indefinite" nodeType="mainSeq">
+                <p:childTnLst>
+                  <p:par>
+                    <p:cTn id="3" fill="hold">
+                      <p:stCondLst>
+                        <p:cond delay="indefinite"/>
+                      </p:stCondLst>
+                      <p:childTnLst>
+                        <p:par>
+                          <p:cTn id="4" fill="hold">
+                            <p:stCondLst>
+                              <p:cond delay="0"/>
+                            </p:stCondLst>
+                            <p:childTnLst>
+                              <p:par>
+                                <p:cTn id="5" presetID="1" presetClass="entr" presetSubtype="0" fill="hold" grpId="0" nodeType="clickEffect">
+                                  <p:stCondLst>
+                                    <p:cond delay="0"/>
+                                  </p:stCondLst>
+                                  <p:childTnLst>
+                                    <p:set>
+                                      <p:cBhvr>
+                                        <p:cTn id="6" dur="1" fill="hold">
+                                          <p:stCondLst>
+                                            <p:cond delay="0"/>
+                                          </p:stCondLst>
+                                        </p:cTn>
+                                        <p:tgtEl>
+                                          <p:spTgt spid="2"/>
+                                        </p:tgtEl>
+                                        <p:attrNameLst>
+                                          <p:attrName>style.visibility</p:attrName>
+                                        </p:attrNameLst>
+                                      </p:cBhvr>
+                                      <p:to>
+                                        <p:strVal val="visible"/>
+                                      </p:to>
+                                    </p:set>
+                                  </p:childTnLst>
+                                </p:cTn>
+                              </p:par>
+                            </p:childTnLst>
+                          </p:cTn>
+                        </p:par>
+                      </p:childTnLst>
+                    </p:cTn>
+                  </p:par>
+                  <p:par>
+                    <p:cTn id="7" fill="hold">
+                      <p:stCondLst>
+                        <p:cond delay="indefinite"/>
+                      </p:stCondLst>
+                      <p:childTnLst>
+                        <p:par>
+                          <p:cTn id="8" fill="hold">
+                            <p:stCondLst>
+                              <p:cond delay="0"/>
+                            </p:stCondLst>
+                            <p:childTnLst>
+                              <p:par>
+                                <p:cTn id="9" presetID="1" presetClass="entr" presetSubtype="0" fill="hold" nodeType="clickEffect">
+                                  <p:stCondLst>
+                                    <p:cond delay="0"/>
+                                  </p:stCondLst>
+                                  <p:childTnLst>
+                                    <p:set>
+                                      <p:cBhvr>
+                                        <p:cTn id="10" dur="1" fill="hold">
+                                          <p:stCondLst>
+                                            <p:cond delay="0"/>
+                                          </p:stCondLst>
+                                        </p:cTn>
+                                        <p:tgtEl>
+                                          <p:spTgt spid="3">
+                                            <p:txEl>
+                                              <p:pRg st="0" end="0"/>
+                                            </p:txEl>
+                                          </p:spTgt>
+                                        </p:tgtEl>
+                                        <p:attrNameLst>
+                                          <p:attrName>style.visibility</p:attrName>
+                                        </p:attrNameLst>
+                                      </p:cBhvr>
+                                      <p:to>
+                                        <p:strVal val="visible"/>
+                                      </p:to>
+                                    </p:set>
+                                  </p:childTnLst>
+                                </p:cTn>
+                              </p:par>
+                            </p:childTnLst>
+                          </p:cTn>
+                        </p:par>
+                      </p:childTnLst>
+                    </p:cTn>
+                  </p:par>
+                  <p:par>
+                    <p:cTn id="11" fill="hold">
+                      <p:stCondLst>
+                        <p:cond delay="indefinite"/>
+                      </p:stCondLst>
+                      <p:childTnLst>
+                        <p:par>
+                          <p:cTn id="12" fill="hold">
+                            <p:stCondLst>
+                              <p:cond delay="0"/>
+                            </p:stCondLst>
+                            <p:childTnLst>
+                              <p:par>
+                                <p:cTn id="13" presetID="1" presetClass="entr" presetSubtype="0" fill="hold" nodeType="clickEffect">
+                                  <p:stCondLst>
+                                    <p:cond delay="0"/>
+                                  </p:stCondLst>
+                                  <p:childTnLst>
+                                    <p:set>
+                                      <p:cBhvr>
+                                        <p:cTn id="14" dur="1" fill="hold">
+                                          <p:stCondLst>
+                                            <p:cond delay="0"/>
+                                          </p:stCondLst>
+                                        </p:cTn>
+                                        <p:tgtEl>
+                                          <p:spTgt spid="3">
+                                            <p:txEl>
+                                              <p:pRg st="1" end="1"/>
+                                            </p:txEl>
+                                          </p:spTgt>
+                                        </p:tgtEl>
+                                        <p:attrNameLst>
+                                          <p:attrName>style.visibility</p:attrName>
+                                        </p:attrNameLst>
+                                      </p:cBhvr>
+                                      <p:to>
+                                        <p:strVal val="visible"/>
+                                      </p:to>
+                                    </p:set>
+                                  </p:childTnLst>
+                                </p:cTn>
+                              </p:par>
+                            </p:childTnLst>
+                          </p:cTn>
+                        </p:par>
+                      </p:childTnLst>
+                    </p:cTn>
+                  </p:par>
+                  <p:par>
+                    <p:cTn id="15" fill="hold">
+                      <p:stCondLst>
+                        <p:cond delay="indefinite"/>
+                      </p:stCondLst>
+                      <p:childTnLst>
+                        <p:par>
+                          <p:cTn id="16" fill="hold">
+                            <p:stCondLst>
+                              <p:cond delay="0"/>
+                            </p:stCondLst>
+                            <p:childTnLst>
+                              <p:par>
+                                <p:cTn id="17" presetID="1" presetClass="entr" presetSubtype="0" fill="hold" nodeType="clickEffect">
+                                  <p:stCondLst>
+                                    <p:cond delay="0"/>
+                                  </p:stCondLst>
+                                  <p:childTnLst>
+                                    <p:set>
+                                      <p:cBhvr>
+                                        <p:cTn id="18" dur="1" fill="hold">
+                                          <p:stCondLst>
+                                            <p:cond delay="0"/>
+                                          </p:stCondLst>
+                                        </p:cTn>
+                                        <p:tgtEl>
+                                          <p:spTgt spid="3">
+                                            <p:txEl>
+                                              <p:pRg st="2" end="2"/>
+                                            </p:txEl>
+                                          </p:spTgt>
+                                        </p:tgtEl>
+                                        <p:attrNameLst>
+                                          <p:attrName>style.visibility</p:attrName>
+                                        </p:attrNameLst>
+                                      </p:cBhvr>
+                                      <p:to>
+                                        <p:strVal val="visible"/>
+                                      </p:to>
+                                    </p:set>
+                                  </p:childTnLst>
+                                </p:cTn>
+                              </p:par>
+                            </p:childTnLst>
+                          </p:cTn>
+                        </p:par>
+                      </p:childTnLst>
+                    </p:cTn>
+                  </p:par>
+                  <p:par>
+                    <p:cTn id="19" fill="hold">
+                      <p:stCondLst>
+                        <p:cond delay="indefinite"/>
+                      </p:stCondLst>
+                      <p:childTnLst>
+                        <p:par>
+                          <p:cTn id="20" fill="hold">
+                            <p:stCondLst>
+                              <p:cond delay="0"/>
+                            </p:stCondLst>
+                            <p:childTnLst>
+                              <p:par>
+                                <p:cTn id="21" presetID="1" presetClass="entr" presetSubtype="0" fill="hold" nodeType="clickEffect">
+                                  <p:stCondLst>
+                                    <p:cond delay="0"/>
+                                  </p:stCondLst>
+                                  <p:childTnLst>
+                                    <p:set>
+                                      <p:cBhvr>
+                                        <p:cTn id="22" dur="1" fill="hold">
+                                          <p:stCondLst>
+                                            <p:cond delay="0"/>
+                                          </p:stCondLst>
+                                        </p:cTn>
+                                        <p:tgtEl>
+                                          <p:spTgt spid="3">
+                                            <p:txEl>
+                                              <p:pRg st="3" end="3"/>
+                                            </p:txEl>
+                                          </p:spTgt>
+                                        </p:tgtEl>
+                                        <p:attrNameLst>
+                                          <p:attrName>style.visibility</p:attrName>
+                                        </p:attrNameLst>
+                                      </p:cBhvr>
+                                      <p:to>
+                                        <p:strVal val="visible"/>
+                                      </p:to>
+                                    </p:set>
+                                  </p:childTnLst>
+                                </p:cTn>
+                              </p:par>
+                            </p:childTnLst>
+                          </p:cTn>
+                        </p:par>
+                      </p:childTnLst>
+                    </p:cTn>
+                  </p:par>
+                </p:childTnLst>
+              </p:cTn>
+              <p:prevCondLst>
+                <p:cond evt="onPrev" delay="0">
+                  <p:tgtEl>
+                    <p:sldTgt/>
+                  </p:tgtEl>
+                </p:cond>
+              </p:prevCondLst>
+              <p:nextCondLst>
+                <p:cond evt="onNext" delay="0">
+                  <p:tgtEl>
+                    <p:sldTgt/>
+                  </p:tgtEl>
+                </p:cond>
+              </p:nextCondLst>
+            </p:seq>
+          </p:childTnLst>
+        </p:cTn>
+      </p:par>
+    </p:tnLst>
+    <p:bldLst>
+      <p:bldP spid="2" grpId="0"/>
+    </p:bldLst>
+  </p:timing>
+</p:sld>
+</file>
+
+<file path=ppt/slides/slide5.xml><?xml version="1.0" encoding="utf-8"?>
+<p:sld xmlns:a="http://schemas.openxmlformats.org/drawingml/2006/main" xmlns:r="http://schemas.openxmlformats.org/officeDocument/2006/relationships" xmlns:p="http://schemas.openxmlformats.org/presentationml/2006/main">
+  <p:cSld>
+    <p:spTree>
+      <p:nvGrpSpPr>
+        <p:cNvPr id="1" name=""/>
+        <p:cNvGrpSpPr/>
+        <p:nvPr/>
+      </p:nvGrpSpPr>
+      <p:grpSpPr>
+        <a:xfrm>
+          <a:off x="0" y="0"/>
+          <a:ext cx="0" cy="0"/>
+          <a:chOff x="0" y="0"/>
+          <a:chExt cx="0" cy="0"/>
+        </a:xfrm>
+      </p:grpSpPr>
+      <p:sp>
+        <p:nvSpPr>
+          <p:cNvPr id="2" name="Title 1"/>
+          <p:cNvSpPr>
+            <a:spLocks noGrp="1"/>
+          </p:cNvSpPr>
+          <p:nvPr>
+            <p:ph type="title"/>
+          </p:nvPr>
+        </p:nvSpPr>
+        <p:spPr>
+          <a:xfrm>
+            <a:off x="902594" y="2464381"/>
+            <a:ext cx="10515600" cy="1325563"/>
+          </a:xfrm>
+        </p:spPr>
+        <p:txBody>
+          <a:bodyPr/>
+          <a:lstStyle/>
+          <a:p>
+            <a:pPr algn="ctr"/>
+            <a:r>
+              <a:rPr lang="en-GB" dirty="0" smtClean="0"/>
+              <a:t>Let’s Get Started!</a:t>
+            </a:r>
+            <a:endParaRPr lang="en-IN" dirty="0"/>
+          </a:p>
+        </p:txBody>
+      </p:sp>
+    </p:spTree>
+    <p:extLst>
+      <p:ext uri="{BB962C8B-B14F-4D97-AF65-F5344CB8AC3E}">
+        <p14:creationId xmlns:p14="http://schemas.microsoft.com/office/powerpoint/2010/main" val="3695723952"/>
+      </p:ext>
+    </p:extLst>
+  </p:cSld>
+  <p:clrMapOvr>
+    <a:masterClrMapping/>
+  </p:clrMapOvr>
+  <p:timing>
+    <p:tnLst>
+      <p:par>
+        <p:cTn id="1" dur="indefinite" restart="never" nodeType="tmRoot">
+          <p:childTnLst>
+            <p:seq concurrent="1" nextAc="seek">
+              <p:cTn id="2" dur="indefinite" nodeType="mainSeq">
+                <p:childTnLst>
+                  <p:par>
+                    <p:cTn id="3" fill="hold">
+                      <p:stCondLst>
+                        <p:cond delay="indefinite"/>
+                      </p:stCondLst>
+                      <p:childTnLst>
+                        <p:par>
+                          <p:cTn id="4" fill="hold">
+                            <p:stCondLst>
+                              <p:cond delay="0"/>
+                            </p:stCondLst>
+                            <p:childTnLst>
+                              <p:par>
+                                <p:cTn id="5" presetID="1" presetClass="entr" presetSubtype="0" fill="hold" grpId="0" nodeType="clickEffect">
+                                  <p:stCondLst>
+                                    <p:cond delay="0"/>
+                                  </p:stCondLst>
+                                  <p:childTnLst>
+                                    <p:set>
+                                      <p:cBhvr>
+                                        <p:cTn id="6" dur="1" fill="hold">
+                                          <p:stCondLst>
+                                            <p:cond delay="0"/>
+                                          </p:stCondLst>
+                                        </p:cTn>
+                                        <p:tgtEl>
+                                          <p:spTgt spid="2"/>
+                                        </p:tgtEl>
+                                        <p:attrNameLst>
+                                          <p:attrName>style.visibility</p:attrName>
+                                        </p:attrNameLst>
+                                      </p:cBhvr>
+                                      <p:to>
+                                        <p:strVal val="visible"/>
+                                      </p:to>
+                                    </p:set>
+                                  </p:childTnLst>
+                                </p:cTn>
+                              </p:par>
+                            </p:childTnLst>
+                          </p:cTn>
+                        </p:par>
+                      </p:childTnLst>
+                    </p:cTn>
+                  </p:par>
+                </p:childTnLst>
+              </p:cTn>
+              <p:prevCondLst>
+                <p:cond evt="onPrev" delay="0">
+                  <p:tgtEl>
+                    <p:sldTgt/>
+                  </p:tgtEl>
+                </p:cond>
+              </p:prevCondLst>
+              <p:nextCondLst>
+                <p:cond evt="onNext" delay="0">
+                  <p:tgtEl>
+                    <p:sldTgt/>
+                  </p:tgtEl>
+                </p:cond>
+              </p:nextCondLst>
+            </p:seq>
+          </p:childTnLst>
+        </p:cTn>
+      </p:par>
+    </p:tnLst>
+    <p:bldLst>
+      <p:bldP spid="2" grpId="0"/>
+    </p:bldLst>
+  </p:timing>
 </p:sld>
 </file>
 

--- a/1. Introduction/Introduction.pptx
+++ b/1. Introduction/Introduction.pptx
@@ -247,7 +247,7 @@
           <a:p>
             <a:fld id="{56AB46BD-8690-4E03-81CC-9A3E56EB905F}" type="datetimeFigureOut">
               <a:rPr lang="en-IN" smtClean="0"/>
-              <a:t>06-06-2021</a:t>
+              <a:t>11-06-2021</a:t>
             </a:fld>
             <a:endParaRPr lang="en-IN"/>
           </a:p>
@@ -417,7 +417,7 @@
           <a:p>
             <a:fld id="{56AB46BD-8690-4E03-81CC-9A3E56EB905F}" type="datetimeFigureOut">
               <a:rPr lang="en-IN" smtClean="0"/>
-              <a:t>06-06-2021</a:t>
+              <a:t>11-06-2021</a:t>
             </a:fld>
             <a:endParaRPr lang="en-IN"/>
           </a:p>
@@ -597,7 +597,7 @@
           <a:p>
             <a:fld id="{56AB46BD-8690-4E03-81CC-9A3E56EB905F}" type="datetimeFigureOut">
               <a:rPr lang="en-IN" smtClean="0"/>
-              <a:t>06-06-2021</a:t>
+              <a:t>11-06-2021</a:t>
             </a:fld>
             <a:endParaRPr lang="en-IN"/>
           </a:p>
@@ -767,7 +767,7 @@
           <a:p>
             <a:fld id="{56AB46BD-8690-4E03-81CC-9A3E56EB905F}" type="datetimeFigureOut">
               <a:rPr lang="en-IN" smtClean="0"/>
-              <a:t>06-06-2021</a:t>
+              <a:t>11-06-2021</a:t>
             </a:fld>
             <a:endParaRPr lang="en-IN"/>
           </a:p>
@@ -1013,7 +1013,7 @@
           <a:p>
             <a:fld id="{56AB46BD-8690-4E03-81CC-9A3E56EB905F}" type="datetimeFigureOut">
               <a:rPr lang="en-IN" smtClean="0"/>
-              <a:t>06-06-2021</a:t>
+              <a:t>11-06-2021</a:t>
             </a:fld>
             <a:endParaRPr lang="en-IN"/>
           </a:p>
@@ -1245,7 +1245,7 @@
           <a:p>
             <a:fld id="{56AB46BD-8690-4E03-81CC-9A3E56EB905F}" type="datetimeFigureOut">
               <a:rPr lang="en-IN" smtClean="0"/>
-              <a:t>06-06-2021</a:t>
+              <a:t>11-06-2021</a:t>
             </a:fld>
             <a:endParaRPr lang="en-IN"/>
           </a:p>
@@ -1612,7 +1612,7 @@
           <a:p>
             <a:fld id="{56AB46BD-8690-4E03-81CC-9A3E56EB905F}" type="datetimeFigureOut">
               <a:rPr lang="en-IN" smtClean="0"/>
-              <a:t>06-06-2021</a:t>
+              <a:t>11-06-2021</a:t>
             </a:fld>
             <a:endParaRPr lang="en-IN"/>
           </a:p>
@@ -1730,7 +1730,7 @@
           <a:p>
             <a:fld id="{56AB46BD-8690-4E03-81CC-9A3E56EB905F}" type="datetimeFigureOut">
               <a:rPr lang="en-IN" smtClean="0"/>
-              <a:t>06-06-2021</a:t>
+              <a:t>11-06-2021</a:t>
             </a:fld>
             <a:endParaRPr lang="en-IN"/>
           </a:p>
@@ -1825,7 +1825,7 @@
           <a:p>
             <a:fld id="{56AB46BD-8690-4E03-81CC-9A3E56EB905F}" type="datetimeFigureOut">
               <a:rPr lang="en-IN" smtClean="0"/>
-              <a:t>06-06-2021</a:t>
+              <a:t>11-06-2021</a:t>
             </a:fld>
             <a:endParaRPr lang="en-IN"/>
           </a:p>
@@ -2102,7 +2102,7 @@
           <a:p>
             <a:fld id="{56AB46BD-8690-4E03-81CC-9A3E56EB905F}" type="datetimeFigureOut">
               <a:rPr lang="en-IN" smtClean="0"/>
-              <a:t>06-06-2021</a:t>
+              <a:t>11-06-2021</a:t>
             </a:fld>
             <a:endParaRPr lang="en-IN"/>
           </a:p>
@@ -2355,7 +2355,7 @@
           <a:p>
             <a:fld id="{56AB46BD-8690-4E03-81CC-9A3E56EB905F}" type="datetimeFigureOut">
               <a:rPr lang="en-IN" smtClean="0"/>
-              <a:t>06-06-2021</a:t>
+              <a:t>11-06-2021</a:t>
             </a:fld>
             <a:endParaRPr lang="en-IN"/>
           </a:p>
@@ -2568,7 +2568,7 @@
           <a:p>
             <a:fld id="{56AB46BD-8690-4E03-81CC-9A3E56EB905F}" type="datetimeFigureOut">
               <a:rPr lang="en-IN" smtClean="0"/>
-              <a:t>06-06-2021</a:t>
+              <a:t>11-06-2021</a:t>
             </a:fld>
             <a:endParaRPr lang="en-IN"/>
           </a:p>
@@ -3015,8 +3015,8 @@
         </p:nvSpPr>
         <p:spPr>
           <a:xfrm>
-            <a:off x="1524000" y="2189408"/>
-            <a:ext cx="9144000" cy="3068392"/>
+            <a:off x="1524000" y="3000777"/>
+            <a:ext cx="9144000" cy="1249251"/>
           </a:xfrm>
         </p:spPr>
         <p:txBody>
@@ -3239,22 +3239,13 @@
           <a:p>
             <a:r>
               <a:rPr lang="en-GB" dirty="0" smtClean="0"/>
-              <a:t>Basic SQL </a:t>
-            </a:r>
+              <a:t>Basic SQL knowledge, no need to be a master</a:t>
+            </a:r>
+          </a:p>
+          <a:p>
             <a:r>
               <a:rPr lang="en-GB" dirty="0" smtClean="0"/>
-              <a:t>knowledge, no need to be a master</a:t>
-            </a:r>
-            <a:endParaRPr lang="en-GB" dirty="0" smtClean="0"/>
-          </a:p>
-          <a:p>
-            <a:r>
-              <a:rPr lang="en-GB" dirty="0" smtClean="0"/>
-              <a:t>Basic understanding </a:t>
-            </a:r>
-            <a:r>
-              <a:rPr lang="en-GB" dirty="0" smtClean="0"/>
-              <a:t>of database schema design</a:t>
+              <a:t>Basic understanding of database schema design</a:t>
             </a:r>
           </a:p>
           <a:p>
@@ -3283,15 +3274,7 @@
             </a:r>
             <a:r>
               <a:rPr lang="en-GB" dirty="0" smtClean="0"/>
-              <a:t> </a:t>
-            </a:r>
-            <a:r>
-              <a:rPr lang="en-GB" dirty="0" smtClean="0"/>
-              <a:t>Server Management Studio(GUI client</a:t>
-            </a:r>
-            <a:r>
-              <a:rPr lang="en-GB" dirty="0" smtClean="0"/>
-              <a:t>)</a:t>
+              <a:t> Server Management Studio(GUI client)</a:t>
             </a:r>
           </a:p>
           <a:p>
